--- a/documents/TEST.pptx
+++ b/documents/TEST.pptx
@@ -6,6 +6,8 @@
   </p:sldMasterIdLst>
   <p:sldIdLst>
     <p:sldId id="256" r:id="rId2"/>
+    <p:sldId id="257" r:id="rId3"/>
+    <p:sldId id="258" r:id="rId4"/>
   </p:sldIdLst>
   <p:sldSz cx="9144000" cy="6858000" type="screen4x3"/>
   <p:notesSz cx="6858000" cy="9144000"/>
@@ -288,7 +290,7 @@
           <a:p>
             <a:fld id="{775322DF-A140-4204-A675-CDE81C439EA6}" type="datetimeFigureOut">
               <a:rPr kumimoji="1" lang="ja-JP" altLang="en-US" smtClean="0"/>
-              <a:t>2013/8/21</a:t>
+              <a:t>2013/8/22</a:t>
             </a:fld>
             <a:endParaRPr kumimoji="1" lang="ja-JP" altLang="en-US"/>
           </a:p>
@@ -490,7 +492,7 @@
           <a:p>
             <a:fld id="{775322DF-A140-4204-A675-CDE81C439EA6}" type="datetimeFigureOut">
               <a:rPr kumimoji="1" lang="ja-JP" altLang="en-US" smtClean="0"/>
-              <a:t>2013/8/21</a:t>
+              <a:t>2013/8/22</a:t>
             </a:fld>
             <a:endParaRPr kumimoji="1" lang="ja-JP" altLang="en-US"/>
           </a:p>
@@ -702,7 +704,7 @@
           <a:p>
             <a:fld id="{775322DF-A140-4204-A675-CDE81C439EA6}" type="datetimeFigureOut">
               <a:rPr kumimoji="1" lang="ja-JP" altLang="en-US" smtClean="0"/>
-              <a:t>2013/8/21</a:t>
+              <a:t>2013/8/22</a:t>
             </a:fld>
             <a:endParaRPr kumimoji="1" lang="ja-JP" altLang="en-US"/>
           </a:p>
@@ -904,7 +906,7 @@
           <a:p>
             <a:fld id="{775322DF-A140-4204-A675-CDE81C439EA6}" type="datetimeFigureOut">
               <a:rPr kumimoji="1" lang="ja-JP" altLang="en-US" smtClean="0"/>
-              <a:t>2013/8/21</a:t>
+              <a:t>2013/8/22</a:t>
             </a:fld>
             <a:endParaRPr kumimoji="1" lang="ja-JP" altLang="en-US"/>
           </a:p>
@@ -1150,7 +1152,7 @@
           <a:p>
             <a:fld id="{775322DF-A140-4204-A675-CDE81C439EA6}" type="datetimeFigureOut">
               <a:rPr kumimoji="1" lang="ja-JP" altLang="en-US" smtClean="0"/>
-              <a:t>2013/8/21</a:t>
+              <a:t>2013/8/22</a:t>
             </a:fld>
             <a:endParaRPr kumimoji="1" lang="ja-JP" altLang="en-US"/>
           </a:p>
@@ -1502,7 +1504,7 @@
           <a:p>
             <a:fld id="{775322DF-A140-4204-A675-CDE81C439EA6}" type="datetimeFigureOut">
               <a:rPr kumimoji="1" lang="ja-JP" altLang="en-US" smtClean="0"/>
-              <a:t>2013/8/21</a:t>
+              <a:t>2013/8/22</a:t>
             </a:fld>
             <a:endParaRPr kumimoji="1" lang="ja-JP" altLang="en-US"/>
           </a:p>
@@ -1988,7 +1990,7 @@
           <a:p>
             <a:fld id="{775322DF-A140-4204-A675-CDE81C439EA6}" type="datetimeFigureOut">
               <a:rPr kumimoji="1" lang="ja-JP" altLang="en-US" smtClean="0"/>
-              <a:t>2013/8/21</a:t>
+              <a:t>2013/8/22</a:t>
             </a:fld>
             <a:endParaRPr kumimoji="1" lang="ja-JP" altLang="en-US"/>
           </a:p>
@@ -2106,7 +2108,7 @@
           <a:p>
             <a:fld id="{775322DF-A140-4204-A675-CDE81C439EA6}" type="datetimeFigureOut">
               <a:rPr kumimoji="1" lang="ja-JP" altLang="en-US" smtClean="0"/>
-              <a:t>2013/8/21</a:t>
+              <a:t>2013/8/22</a:t>
             </a:fld>
             <a:endParaRPr kumimoji="1" lang="ja-JP" altLang="en-US"/>
           </a:p>
@@ -2201,7 +2203,7 @@
           <a:p>
             <a:fld id="{775322DF-A140-4204-A675-CDE81C439EA6}" type="datetimeFigureOut">
               <a:rPr kumimoji="1" lang="ja-JP" altLang="en-US" smtClean="0"/>
-              <a:t>2013/8/21</a:t>
+              <a:t>2013/8/22</a:t>
             </a:fld>
             <a:endParaRPr kumimoji="1" lang="ja-JP" altLang="en-US"/>
           </a:p>
@@ -2510,7 +2512,7 @@
           <a:p>
             <a:fld id="{775322DF-A140-4204-A675-CDE81C439EA6}" type="datetimeFigureOut">
               <a:rPr kumimoji="1" lang="ja-JP" altLang="en-US" smtClean="0"/>
-              <a:t>2013/8/21</a:t>
+              <a:t>2013/8/22</a:t>
             </a:fld>
             <a:endParaRPr kumimoji="1" lang="ja-JP" altLang="en-US"/>
           </a:p>
@@ -2763,7 +2765,7 @@
           <a:p>
             <a:fld id="{775322DF-A140-4204-A675-CDE81C439EA6}" type="datetimeFigureOut">
               <a:rPr kumimoji="1" lang="ja-JP" altLang="en-US" smtClean="0"/>
-              <a:t>2013/8/21</a:t>
+              <a:t>2013/8/22</a:t>
             </a:fld>
             <a:endParaRPr kumimoji="1" lang="ja-JP" altLang="en-US"/>
           </a:p>
@@ -3008,7 +3010,7 @@
           <a:p>
             <a:fld id="{775322DF-A140-4204-A675-CDE81C439EA6}" type="datetimeFigureOut">
               <a:rPr kumimoji="1" lang="ja-JP" altLang="en-US" smtClean="0"/>
-              <a:t>2013/8/21</a:t>
+              <a:t>2013/8/22</a:t>
             </a:fld>
             <a:endParaRPr kumimoji="1" lang="ja-JP" altLang="en-US"/>
           </a:p>
@@ -3429,6 +3431,142 @@
     <p:extLst>
       <p:ext uri="{BB962C8B-B14F-4D97-AF65-F5344CB8AC3E}">
         <p14:creationId xmlns:p14="http://schemas.microsoft.com/office/powerpoint/2010/main" val="1805010094"/>
+      </p:ext>
+    </p:extLst>
+  </p:cSld>
+  <p:clrMapOvr>
+    <a:masterClrMapping/>
+  </p:clrMapOvr>
+</p:sld>
+</file>
+
+<file path=ppt/slides/slide2.xml><?xml version="1.0" encoding="utf-8"?>
+<p:sld xmlns:a="http://schemas.openxmlformats.org/drawingml/2006/main" xmlns:r="http://schemas.openxmlformats.org/officeDocument/2006/relationships" xmlns:p="http://schemas.openxmlformats.org/presentationml/2006/main">
+  <p:cSld>
+    <p:spTree>
+      <p:nvGrpSpPr>
+        <p:cNvPr id="1" name=""/>
+        <p:cNvGrpSpPr/>
+        <p:nvPr/>
+      </p:nvGrpSpPr>
+      <p:grpSpPr>
+        <a:xfrm>
+          <a:off x="0" y="0"/>
+          <a:ext cx="0" cy="0"/>
+          <a:chOff x="0" y="0"/>
+          <a:chExt cx="0" cy="0"/>
+        </a:xfrm>
+      </p:grpSpPr>
+      <p:sp>
+        <p:nvSpPr>
+          <p:cNvPr id="2" name="タイトル 1"/>
+          <p:cNvSpPr>
+            <a:spLocks noGrp="1"/>
+          </p:cNvSpPr>
+          <p:nvPr>
+            <p:ph type="title"/>
+          </p:nvPr>
+        </p:nvSpPr>
+        <p:spPr/>
+        <p:txBody>
+          <a:bodyPr/>
+          <a:lstStyle/>
+          <a:p>
+            <a:endParaRPr kumimoji="1" lang="ja-JP" altLang="en-US"/>
+          </a:p>
+        </p:txBody>
+      </p:sp>
+      <p:sp>
+        <p:nvSpPr>
+          <p:cNvPr id="3" name="コンテンツ プレースホルダー 2"/>
+          <p:cNvSpPr>
+            <a:spLocks noGrp="1"/>
+          </p:cNvSpPr>
+          <p:nvPr>
+            <p:ph idx="1"/>
+          </p:nvPr>
+        </p:nvSpPr>
+        <p:spPr/>
+        <p:txBody>
+          <a:bodyPr/>
+          <a:lstStyle/>
+          <a:p>
+            <a:endParaRPr kumimoji="1" lang="ja-JP" altLang="en-US"/>
+          </a:p>
+        </p:txBody>
+      </p:sp>
+    </p:spTree>
+    <p:extLst>
+      <p:ext uri="{BB962C8B-B14F-4D97-AF65-F5344CB8AC3E}">
+        <p14:creationId xmlns:p14="http://schemas.microsoft.com/office/powerpoint/2010/main" val="1031063582"/>
+      </p:ext>
+    </p:extLst>
+  </p:cSld>
+  <p:clrMapOvr>
+    <a:masterClrMapping/>
+  </p:clrMapOvr>
+</p:sld>
+</file>
+
+<file path=ppt/slides/slide3.xml><?xml version="1.0" encoding="utf-8"?>
+<p:sld xmlns:a="http://schemas.openxmlformats.org/drawingml/2006/main" xmlns:r="http://schemas.openxmlformats.org/officeDocument/2006/relationships" xmlns:p="http://schemas.openxmlformats.org/presentationml/2006/main">
+  <p:cSld>
+    <p:spTree>
+      <p:nvGrpSpPr>
+        <p:cNvPr id="1" name=""/>
+        <p:cNvGrpSpPr/>
+        <p:nvPr/>
+      </p:nvGrpSpPr>
+      <p:grpSpPr>
+        <a:xfrm>
+          <a:off x="0" y="0"/>
+          <a:ext cx="0" cy="0"/>
+          <a:chOff x="0" y="0"/>
+          <a:chExt cx="0" cy="0"/>
+        </a:xfrm>
+      </p:grpSpPr>
+      <p:sp>
+        <p:nvSpPr>
+          <p:cNvPr id="2" name="タイトル 1"/>
+          <p:cNvSpPr>
+            <a:spLocks noGrp="1"/>
+          </p:cNvSpPr>
+          <p:nvPr>
+            <p:ph type="title"/>
+          </p:nvPr>
+        </p:nvSpPr>
+        <p:spPr/>
+        <p:txBody>
+          <a:bodyPr/>
+          <a:lstStyle/>
+          <a:p>
+            <a:endParaRPr kumimoji="1" lang="ja-JP" altLang="en-US"/>
+          </a:p>
+        </p:txBody>
+      </p:sp>
+      <p:sp>
+        <p:nvSpPr>
+          <p:cNvPr id="3" name="コンテンツ プレースホルダー 2"/>
+          <p:cNvSpPr>
+            <a:spLocks noGrp="1"/>
+          </p:cNvSpPr>
+          <p:nvPr>
+            <p:ph idx="1"/>
+          </p:nvPr>
+        </p:nvSpPr>
+        <p:spPr/>
+        <p:txBody>
+          <a:bodyPr/>
+          <a:lstStyle/>
+          <a:p>
+            <a:endParaRPr kumimoji="1" lang="ja-JP" altLang="en-US"/>
+          </a:p>
+        </p:txBody>
+      </p:sp>
+    </p:spTree>
+    <p:extLst>
+      <p:ext uri="{BB962C8B-B14F-4D97-AF65-F5344CB8AC3E}">
+        <p14:creationId xmlns:p14="http://schemas.microsoft.com/office/powerpoint/2010/main" val="2827128719"/>
       </p:ext>
     </p:extLst>
   </p:cSld>

--- a/documents/TEST.pptx
+++ b/documents/TEST.pptx
@@ -7,6 +7,7 @@
   <p:sldIdLst>
     <p:sldId id="256" r:id="rId2"/>
     <p:sldId id="258" r:id="rId3"/>
+    <p:sldId id="259" r:id="rId4"/>
   </p:sldIdLst>
   <p:sldSz cx="9144000" cy="6858000" type="screen4x3"/>
   <p:notesSz cx="6858000" cy="9144000"/>
@@ -3471,7 +3472,11 @@
           <a:bodyPr/>
           <a:lstStyle/>
           <a:p>
-            <a:endParaRPr kumimoji="1" lang="ja-JP" altLang="en-US"/>
+            <a:r>
+              <a:rPr kumimoji="1" lang="en-US" altLang="ja-JP" dirty="0" smtClean="0"/>
+              <a:t>SSS</a:t>
+            </a:r>
+            <a:endParaRPr kumimoji="1" lang="ja-JP" altLang="en-US" dirty="0"/>
           </a:p>
         </p:txBody>
       </p:sp>
@@ -3498,6 +3503,78 @@
     <p:extLst>
       <p:ext uri="{BB962C8B-B14F-4D97-AF65-F5344CB8AC3E}">
         <p14:creationId xmlns:p14="http://schemas.microsoft.com/office/powerpoint/2010/main" val="2827128719"/>
+      </p:ext>
+    </p:extLst>
+  </p:cSld>
+  <p:clrMapOvr>
+    <a:masterClrMapping/>
+  </p:clrMapOvr>
+</p:sld>
+</file>
+
+<file path=ppt/slides/slide3.xml><?xml version="1.0" encoding="utf-8"?>
+<p:sld xmlns:a="http://schemas.openxmlformats.org/drawingml/2006/main" xmlns:r="http://schemas.openxmlformats.org/officeDocument/2006/relationships" xmlns:p="http://schemas.openxmlformats.org/presentationml/2006/main">
+  <p:cSld>
+    <p:spTree>
+      <p:nvGrpSpPr>
+        <p:cNvPr id="1" name=""/>
+        <p:cNvGrpSpPr/>
+        <p:nvPr/>
+      </p:nvGrpSpPr>
+      <p:grpSpPr>
+        <a:xfrm>
+          <a:off x="0" y="0"/>
+          <a:ext cx="0" cy="0"/>
+          <a:chOff x="0" y="0"/>
+          <a:chExt cx="0" cy="0"/>
+        </a:xfrm>
+      </p:grpSpPr>
+      <p:sp>
+        <p:nvSpPr>
+          <p:cNvPr id="2" name="タイトル 1"/>
+          <p:cNvSpPr>
+            <a:spLocks noGrp="1"/>
+          </p:cNvSpPr>
+          <p:nvPr>
+            <p:ph type="title"/>
+          </p:nvPr>
+        </p:nvSpPr>
+        <p:spPr/>
+        <p:txBody>
+          <a:bodyPr/>
+          <a:lstStyle/>
+          <a:p>
+            <a:r>
+              <a:rPr kumimoji="1" lang="en-US" altLang="ja-JP" dirty="0" smtClean="0"/>
+              <a:t>SSS</a:t>
+            </a:r>
+            <a:endParaRPr kumimoji="1" lang="ja-JP" altLang="en-US" dirty="0"/>
+          </a:p>
+        </p:txBody>
+      </p:sp>
+      <p:sp>
+        <p:nvSpPr>
+          <p:cNvPr id="3" name="コンテンツ プレースホルダー 2"/>
+          <p:cNvSpPr>
+            <a:spLocks noGrp="1"/>
+          </p:cNvSpPr>
+          <p:nvPr>
+            <p:ph idx="1"/>
+          </p:nvPr>
+        </p:nvSpPr>
+        <p:spPr/>
+        <p:txBody>
+          <a:bodyPr/>
+          <a:lstStyle/>
+          <a:p>
+            <a:endParaRPr kumimoji="1" lang="ja-JP" altLang="en-US"/>
+          </a:p>
+        </p:txBody>
+      </p:sp>
+    </p:spTree>
+    <p:extLst>
+      <p:ext uri="{BB962C8B-B14F-4D97-AF65-F5344CB8AC3E}">
+        <p14:creationId xmlns:p14="http://schemas.microsoft.com/office/powerpoint/2010/main" val="1288565593"/>
       </p:ext>
     </p:extLst>
   </p:cSld>

--- a/documents/TEST.pptx
+++ b/documents/TEST.pptx
@@ -6,8 +6,7 @@
   </p:sldMasterIdLst>
   <p:sldIdLst>
     <p:sldId id="256" r:id="rId2"/>
-    <p:sldId id="257" r:id="rId3"/>
-    <p:sldId id="258" r:id="rId4"/>
+    <p:sldId id="258" r:id="rId3"/>
   </p:sldIdLst>
   <p:sldSz cx="9144000" cy="6858000" type="screen4x3"/>
   <p:notesSz cx="6858000" cy="9144000"/>
@@ -3441,74 +3440,6 @@
 </file>
 
 <file path=ppt/slides/slide2.xml><?xml version="1.0" encoding="utf-8"?>
-<p:sld xmlns:a="http://schemas.openxmlformats.org/drawingml/2006/main" xmlns:r="http://schemas.openxmlformats.org/officeDocument/2006/relationships" xmlns:p="http://schemas.openxmlformats.org/presentationml/2006/main">
-  <p:cSld>
-    <p:spTree>
-      <p:nvGrpSpPr>
-        <p:cNvPr id="1" name=""/>
-        <p:cNvGrpSpPr/>
-        <p:nvPr/>
-      </p:nvGrpSpPr>
-      <p:grpSpPr>
-        <a:xfrm>
-          <a:off x="0" y="0"/>
-          <a:ext cx="0" cy="0"/>
-          <a:chOff x="0" y="0"/>
-          <a:chExt cx="0" cy="0"/>
-        </a:xfrm>
-      </p:grpSpPr>
-      <p:sp>
-        <p:nvSpPr>
-          <p:cNvPr id="2" name="タイトル 1"/>
-          <p:cNvSpPr>
-            <a:spLocks noGrp="1"/>
-          </p:cNvSpPr>
-          <p:nvPr>
-            <p:ph type="title"/>
-          </p:nvPr>
-        </p:nvSpPr>
-        <p:spPr/>
-        <p:txBody>
-          <a:bodyPr/>
-          <a:lstStyle/>
-          <a:p>
-            <a:endParaRPr kumimoji="1" lang="ja-JP" altLang="en-US"/>
-          </a:p>
-        </p:txBody>
-      </p:sp>
-      <p:sp>
-        <p:nvSpPr>
-          <p:cNvPr id="3" name="コンテンツ プレースホルダー 2"/>
-          <p:cNvSpPr>
-            <a:spLocks noGrp="1"/>
-          </p:cNvSpPr>
-          <p:nvPr>
-            <p:ph idx="1"/>
-          </p:nvPr>
-        </p:nvSpPr>
-        <p:spPr/>
-        <p:txBody>
-          <a:bodyPr/>
-          <a:lstStyle/>
-          <a:p>
-            <a:endParaRPr kumimoji="1" lang="ja-JP" altLang="en-US"/>
-          </a:p>
-        </p:txBody>
-      </p:sp>
-    </p:spTree>
-    <p:extLst>
-      <p:ext uri="{BB962C8B-B14F-4D97-AF65-F5344CB8AC3E}">
-        <p14:creationId xmlns:p14="http://schemas.microsoft.com/office/powerpoint/2010/main" val="1031063582"/>
-      </p:ext>
-    </p:extLst>
-  </p:cSld>
-  <p:clrMapOvr>
-    <a:masterClrMapping/>
-  </p:clrMapOvr>
-</p:sld>
-</file>
-
-<file path=ppt/slides/slide3.xml><?xml version="1.0" encoding="utf-8"?>
 <p:sld xmlns:a="http://schemas.openxmlformats.org/drawingml/2006/main" xmlns:r="http://schemas.openxmlformats.org/officeDocument/2006/relationships" xmlns:p="http://schemas.openxmlformats.org/presentationml/2006/main">
   <p:cSld>
     <p:spTree>

--- a/documents/TEST.pptx
+++ b/documents/TEST.pptx
@@ -3472,8 +3472,8 @@
           <a:lstStyle/>
           <a:p>
             <a:r>
-              <a:rPr kumimoji="1" lang="en-US" altLang="ja-JP" dirty="0" smtClean="0"/>
-              <a:t>SSS</a:t>
+              <a:rPr kumimoji="1" lang="en-US" altLang="ja-JP" smtClean="0"/>
+              <a:t>SSSKKK</a:t>
             </a:r>
             <a:endParaRPr kumimoji="1" lang="ja-JP" altLang="en-US" dirty="0"/>
           </a:p>

--- a/documents/TEST.pptx
+++ b/documents/TEST.pptx
@@ -6,8 +6,7 @@
   </p:sldMasterIdLst>
   <p:sldIdLst>
     <p:sldId id="256" r:id="rId2"/>
-    <p:sldId id="258" r:id="rId3"/>
-    <p:sldId id="259" r:id="rId4"/>
+    <p:sldId id="259" r:id="rId3"/>
   </p:sldIdLst>
   <p:sldSz cx="9144000" cy="6858000" type="screen4x3"/>
   <p:notesSz cx="6858000" cy="9144000"/>
@@ -3441,78 +3440,6 @@
 </file>
 
 <file path=ppt/slides/slide2.xml><?xml version="1.0" encoding="utf-8"?>
-<p:sld xmlns:a="http://schemas.openxmlformats.org/drawingml/2006/main" xmlns:r="http://schemas.openxmlformats.org/officeDocument/2006/relationships" xmlns:p="http://schemas.openxmlformats.org/presentationml/2006/main">
-  <p:cSld>
-    <p:spTree>
-      <p:nvGrpSpPr>
-        <p:cNvPr id="1" name=""/>
-        <p:cNvGrpSpPr/>
-        <p:nvPr/>
-      </p:nvGrpSpPr>
-      <p:grpSpPr>
-        <a:xfrm>
-          <a:off x="0" y="0"/>
-          <a:ext cx="0" cy="0"/>
-          <a:chOff x="0" y="0"/>
-          <a:chExt cx="0" cy="0"/>
-        </a:xfrm>
-      </p:grpSpPr>
-      <p:sp>
-        <p:nvSpPr>
-          <p:cNvPr id="2" name="タイトル 1"/>
-          <p:cNvSpPr>
-            <a:spLocks noGrp="1"/>
-          </p:cNvSpPr>
-          <p:nvPr>
-            <p:ph type="title"/>
-          </p:nvPr>
-        </p:nvSpPr>
-        <p:spPr/>
-        <p:txBody>
-          <a:bodyPr/>
-          <a:lstStyle/>
-          <a:p>
-            <a:r>
-              <a:rPr kumimoji="1" lang="en-US" altLang="ja-JP" dirty="0" smtClean="0"/>
-              <a:t>SSS</a:t>
-            </a:r>
-            <a:endParaRPr kumimoji="1" lang="ja-JP" altLang="en-US" dirty="0"/>
-          </a:p>
-        </p:txBody>
-      </p:sp>
-      <p:sp>
-        <p:nvSpPr>
-          <p:cNvPr id="3" name="コンテンツ プレースホルダー 2"/>
-          <p:cNvSpPr>
-            <a:spLocks noGrp="1"/>
-          </p:cNvSpPr>
-          <p:nvPr>
-            <p:ph idx="1"/>
-          </p:nvPr>
-        </p:nvSpPr>
-        <p:spPr/>
-        <p:txBody>
-          <a:bodyPr/>
-          <a:lstStyle/>
-          <a:p>
-            <a:endParaRPr kumimoji="1" lang="ja-JP" altLang="en-US"/>
-          </a:p>
-        </p:txBody>
-      </p:sp>
-    </p:spTree>
-    <p:extLst>
-      <p:ext uri="{BB962C8B-B14F-4D97-AF65-F5344CB8AC3E}">
-        <p14:creationId xmlns:p14="http://schemas.microsoft.com/office/powerpoint/2010/main" val="2827128719"/>
-      </p:ext>
-    </p:extLst>
-  </p:cSld>
-  <p:clrMapOvr>
-    <a:masterClrMapping/>
-  </p:clrMapOvr>
-</p:sld>
-</file>
-
-<file path=ppt/slides/slide3.xml><?xml version="1.0" encoding="utf-8"?>
 <p:sld xmlns:a="http://schemas.openxmlformats.org/drawingml/2006/main" xmlns:r="http://schemas.openxmlformats.org/officeDocument/2006/relationships" xmlns:p="http://schemas.openxmlformats.org/presentationml/2006/main">
   <p:cSld>
     <p:spTree>

--- a/documents/TEST.pptx
+++ b/documents/TEST.pptx
@@ -6,7 +6,6 @@
   </p:sldMasterIdLst>
   <p:sldIdLst>
     <p:sldId id="256" r:id="rId2"/>
-    <p:sldId id="259" r:id="rId3"/>
   </p:sldIdLst>
   <p:sldSz cx="9144000" cy="6858000" type="screen4x3"/>
   <p:notesSz cx="6858000" cy="9144000"/>
@@ -3430,78 +3429,6 @@
     <p:extLst>
       <p:ext uri="{BB962C8B-B14F-4D97-AF65-F5344CB8AC3E}">
         <p14:creationId xmlns:p14="http://schemas.microsoft.com/office/powerpoint/2010/main" val="1805010094"/>
-      </p:ext>
-    </p:extLst>
-  </p:cSld>
-  <p:clrMapOvr>
-    <a:masterClrMapping/>
-  </p:clrMapOvr>
-</p:sld>
-</file>
-
-<file path=ppt/slides/slide2.xml><?xml version="1.0" encoding="utf-8"?>
-<p:sld xmlns:a="http://schemas.openxmlformats.org/drawingml/2006/main" xmlns:r="http://schemas.openxmlformats.org/officeDocument/2006/relationships" xmlns:p="http://schemas.openxmlformats.org/presentationml/2006/main">
-  <p:cSld>
-    <p:spTree>
-      <p:nvGrpSpPr>
-        <p:cNvPr id="1" name=""/>
-        <p:cNvGrpSpPr/>
-        <p:nvPr/>
-      </p:nvGrpSpPr>
-      <p:grpSpPr>
-        <a:xfrm>
-          <a:off x="0" y="0"/>
-          <a:ext cx="0" cy="0"/>
-          <a:chOff x="0" y="0"/>
-          <a:chExt cx="0" cy="0"/>
-        </a:xfrm>
-      </p:grpSpPr>
-      <p:sp>
-        <p:nvSpPr>
-          <p:cNvPr id="2" name="タイトル 1"/>
-          <p:cNvSpPr>
-            <a:spLocks noGrp="1"/>
-          </p:cNvSpPr>
-          <p:nvPr>
-            <p:ph type="title"/>
-          </p:nvPr>
-        </p:nvSpPr>
-        <p:spPr/>
-        <p:txBody>
-          <a:bodyPr/>
-          <a:lstStyle/>
-          <a:p>
-            <a:r>
-              <a:rPr kumimoji="1" lang="en-US" altLang="ja-JP" smtClean="0"/>
-              <a:t>SSSKKK</a:t>
-            </a:r>
-            <a:endParaRPr kumimoji="1" lang="ja-JP" altLang="en-US" dirty="0"/>
-          </a:p>
-        </p:txBody>
-      </p:sp>
-      <p:sp>
-        <p:nvSpPr>
-          <p:cNvPr id="3" name="コンテンツ プレースホルダー 2"/>
-          <p:cNvSpPr>
-            <a:spLocks noGrp="1"/>
-          </p:cNvSpPr>
-          <p:nvPr>
-            <p:ph idx="1"/>
-          </p:nvPr>
-        </p:nvSpPr>
-        <p:spPr/>
-        <p:txBody>
-          <a:bodyPr/>
-          <a:lstStyle/>
-          <a:p>
-            <a:endParaRPr kumimoji="1" lang="ja-JP" altLang="en-US"/>
-          </a:p>
-        </p:txBody>
-      </p:sp>
-    </p:spTree>
-    <p:extLst>
-      <p:ext uri="{BB962C8B-B14F-4D97-AF65-F5344CB8AC3E}">
-        <p14:creationId xmlns:p14="http://schemas.microsoft.com/office/powerpoint/2010/main" val="1288565593"/>
       </p:ext>
     </p:extLst>
   </p:cSld>
